--- a/specification/figures/pptx/dae2json.pptx
+++ b/specification/figures/pptx/dae2json.pptx
@@ -2523,18 +2523,6 @@
               </a:rPr>
               <a:t>Render asset with OpenGL, OpenGL ES, or WebGL</a:t>
             </a:r>
-            <a:endParaRPr kumimoji="0" lang="en-US" sz="1200" i="0" u="none" strike="noStrike" cap="none" normalizeH="0" baseline="0" dirty="0" smtClean="0">
-              <a:ln>
-                <a:noFill/>
-              </a:ln>
-              <a:solidFill>
-                <a:schemeClr val="tx1"/>
-              </a:solidFill>
-              <a:effectLst/>
-              <a:ea typeface="Tahoma" pitchFamily="34" charset="0"/>
-              <a:cs typeface="Tahoma" pitchFamily="34" charset="0"/>
-              <a:sym typeface="Myriad Set Text" charset="0"/>
-            </a:endParaRPr>
           </a:p>
         </p:txBody>
       </p:sp>
@@ -2619,7 +2607,7 @@
                 <a:ea typeface="Tahoma" pitchFamily="34" charset="0"/>
                 <a:cs typeface="Tahoma" pitchFamily="34" charset="0"/>
               </a:rPr>
-              <a:t>interchange</a:t>
+              <a:t>modeling tools</a:t>
             </a:r>
             <a:endParaRPr lang="en-US" sz="1200" dirty="0">
               <a:solidFill>
